--- a/Homework 6/Full_Life_Cycle_Use_Case6.pptx
+++ b/Homework 6/Full_Life_Cycle_Use_Case6.pptx
@@ -3145,21 +3145,15 @@
             </a:r>
           </a:p>
           <a:p>
-            <a:pPr marL="0" indent="0">
-              <a:buNone/>
-            </a:pPr>
             <a:r>
               <a:rPr sz="1200" dirty="0"/>
-              <a:t>🔍 User interviews with digital nomads for validation</a:t>
-            </a:r>
-          </a:p>
-          <a:p>
-            <a:pPr marL="0" indent="0">
-              <a:buNone/>
-            </a:pPr>
+              <a:t>User interviews with digital nomads for validation</a:t>
+            </a:r>
+          </a:p>
+          <a:p>
             <a:r>
               <a:rPr sz="1200" dirty="0"/>
-              <a:t>🧪 A/B tests for pricing models (freemium vs. subscription)</a:t>
+              <a:t> A/B tests for pricing models (freemium vs. subscription)</a:t>
             </a:r>
             <a:endParaRPr lang="en-CY" sz="1200" dirty="0"/>
           </a:p>
@@ -3198,7 +3192,7 @@
             </a:pPr>
             <a:r>
               <a:rPr lang="en-GB" sz="1400" b="1" dirty="0"/>
-              <a:t>2️⃣ Finding &amp; Analyzing Options</a:t>
+              <a:t>Finding &amp; Analyzing Options</a:t>
             </a:r>
           </a:p>
           <a:p>
@@ -3254,7 +3248,7 @@
             </a:pPr>
             <a:r>
               <a:rPr lang="en-GB" sz="1400" b="1" dirty="0"/>
-              <a:t>1️⃣ Determining the Need</a:t>
+              <a:t> Determining the Need</a:t>
             </a:r>
           </a:p>
           <a:p>
@@ -3310,7 +3304,7 @@
             </a:pPr>
             <a:r>
               <a:rPr lang="en-GB" sz="1400" b="1" dirty="0"/>
-              <a:t>3️⃣ Acquiring &amp; Paying for Experiences</a:t>
+              <a:t> Acquiring &amp; Paying for Experiences</a:t>
             </a:r>
           </a:p>
           <a:p>
@@ -3366,7 +3360,7 @@
             </a:pPr>
             <a:r>
               <a:rPr lang="en-GB" sz="1400" b="1" dirty="0"/>
-              <a:t>4️⃣ Using &amp; Evaluating the Experience</a:t>
+              <a:t> Using &amp; Evaluating the Experience</a:t>
             </a:r>
           </a:p>
           <a:p>
@@ -3422,7 +3416,7 @@
             </a:pPr>
             <a:r>
               <a:rPr lang="en-GB" sz="1400" b="1" dirty="0"/>
-              <a:t>5️⃣ Repeat Usage &amp; Word-of-Mouth</a:t>
+              <a:t> Repeat Usage &amp; Word-of-Mouth</a:t>
             </a:r>
           </a:p>
           <a:p>
@@ -3520,12 +3514,13 @@
             </a:r>
           </a:p>
           <a:p>
-            <a:pPr marL="0" indent="0">
-              <a:buNone/>
+            <a:pPr marL="171450" indent="-171450">
+              <a:buFont typeface="Arial" panose="020B0604020202020204" pitchFamily="34" charset="0"/>
+              <a:buChar char="•"/>
             </a:pPr>
             <a:r>
               <a:rPr lang="en-CY" sz="1200" dirty="0"/>
-              <a:t>🚀 </a:t>
+              <a:t> </a:t>
             </a:r>
             <a:r>
               <a:rPr lang="en-GB" sz="1200" dirty="0"/>
@@ -3533,12 +3528,13 @@
             </a:r>
           </a:p>
           <a:p>
-            <a:pPr marL="0" indent="0">
-              <a:buNone/>
+            <a:pPr marL="171450" indent="-171450">
+              <a:buFont typeface="Arial" panose="020B0604020202020204" pitchFamily="34" charset="0"/>
+              <a:buChar char="•"/>
             </a:pPr>
             <a:r>
               <a:rPr lang="en-CY" sz="1200" dirty="0"/>
-              <a:t>✅ </a:t>
+              <a:t> </a:t>
             </a:r>
             <a:r>
               <a:rPr lang="en-GB" sz="1200" dirty="0"/>
@@ -3546,12 +3542,13 @@
             </a:r>
           </a:p>
           <a:p>
-            <a:pPr marL="0" indent="0">
-              <a:buNone/>
+            <a:pPr marL="171450" indent="-171450">
+              <a:buFont typeface="Arial" panose="020B0604020202020204" pitchFamily="34" charset="0"/>
+              <a:buChar char="•"/>
             </a:pPr>
             <a:r>
               <a:rPr lang="en-CY" sz="1200" dirty="0"/>
-              <a:t>💳 </a:t>
+              <a:t> </a:t>
             </a:r>
             <a:r>
               <a:rPr lang="en-GB" sz="1200" dirty="0"/>
@@ -3559,12 +3556,13 @@
             </a:r>
           </a:p>
           <a:p>
-            <a:pPr marL="0" indent="0">
-              <a:buNone/>
+            <a:pPr marL="171450" indent="-171450">
+              <a:buFont typeface="Arial" panose="020B0604020202020204" pitchFamily="34" charset="0"/>
+              <a:buChar char="•"/>
             </a:pPr>
             <a:r>
               <a:rPr lang="en-CY" sz="1200" dirty="0"/>
-              <a:t>📍 </a:t>
+              <a:t> </a:t>
             </a:r>
             <a:r>
               <a:rPr lang="en-GB" sz="1200" dirty="0"/>
@@ -3610,21 +3608,23 @@
             </a:r>
           </a:p>
           <a:p>
-            <a:pPr marL="0" indent="0">
-              <a:buNone/>
+            <a:pPr marL="171450" indent="-171450">
+              <a:buFont typeface="Arial" panose="020B0604020202020204" pitchFamily="34" charset="0"/>
+              <a:buChar char="•"/>
             </a:pPr>
             <a:r>
               <a:rPr lang="en-GB" sz="1200" dirty="0"/>
-              <a:t>⚠️ Will users trust Tourmate over existing sources?</a:t>
-            </a:r>
-          </a:p>
-          <a:p>
-            <a:pPr marL="0" indent="0">
-              <a:buNone/>
+              <a:t> Will users trust Tourmate over existing sources?</a:t>
+            </a:r>
+          </a:p>
+          <a:p>
+            <a:pPr marL="171450" indent="-171450">
+              <a:buFont typeface="Arial" panose="020B0604020202020204" pitchFamily="34" charset="0"/>
+              <a:buChar char="•"/>
             </a:pPr>
             <a:r>
               <a:rPr lang="en-CY" sz="1200" dirty="0"/>
-              <a:t>💰 </a:t>
+              <a:t> </a:t>
             </a:r>
             <a:r>
               <a:rPr lang="en-GB" sz="1200" dirty="0"/>
@@ -3632,12 +3632,13 @@
             </a:r>
           </a:p>
           <a:p>
-            <a:pPr marL="0" indent="0">
-              <a:buNone/>
+            <a:pPr marL="171450" indent="-171450">
+              <a:buFont typeface="Arial" panose="020B0604020202020204" pitchFamily="34" charset="0"/>
+              <a:buChar char="•"/>
             </a:pPr>
             <a:r>
               <a:rPr lang="en-CY" sz="1200" dirty="0"/>
-              <a:t>🔄 </a:t>
+              <a:t> </a:t>
             </a:r>
             <a:r>
               <a:rPr lang="en-GB" sz="1200" dirty="0"/>
